--- a/ppt 16-9/1419.我们都是光明.pptx
+++ b/ppt 16-9/1419.我们都是光明.pptx
@@ -5,7 +5,7 @@
     <p:sldMasterId id="2147483648" r:id="rId1"/>
   </p:sldMasterIdLst>
   <p:sldIdLst>
-    <p:sldId id="990" r:id="rId2"/>
+    <p:sldId id="991" r:id="rId2"/>
   </p:sldIdLst>
   <p:sldSz cx="12192000" cy="6858000"/>
   <p:notesSz cx="6858000" cy="9144000"/>
@@ -129,7 +129,7 @@
           <p:cNvPr id="2" name="标题 1">
             <a:extLst>
               <a:ext uri="{FF2B5EF4-FFF2-40B4-BE49-F238E27FC236}">
-                <a16:creationId xmlns:a16="http://schemas.microsoft.com/office/drawing/2014/main" id="{EE873FAE-B14A-EA6D-C2E5-93D971C05AD5}"/>
+                <a16:creationId xmlns:a16="http://schemas.microsoft.com/office/drawing/2014/main" id="{5400EDFB-8480-549E-4D33-FB3B7FFE302E}"/>
               </a:ext>
             </a:extLst>
           </p:cNvPr>
@@ -166,7 +166,7 @@
           <p:cNvPr id="3" name="副标题 2">
             <a:extLst>
               <a:ext uri="{FF2B5EF4-FFF2-40B4-BE49-F238E27FC236}">
-                <a16:creationId xmlns:a16="http://schemas.microsoft.com/office/drawing/2014/main" id="{C6776216-F525-4027-80E8-83A989C4319B}"/>
+                <a16:creationId xmlns:a16="http://schemas.microsoft.com/office/drawing/2014/main" id="{53CC5501-9F03-F287-8610-52B1071B69C8}"/>
               </a:ext>
             </a:extLst>
           </p:cNvPr>
@@ -236,7 +236,7 @@
           <p:cNvPr id="4" name="日期占位符 3">
             <a:extLst>
               <a:ext uri="{FF2B5EF4-FFF2-40B4-BE49-F238E27FC236}">
-                <a16:creationId xmlns:a16="http://schemas.microsoft.com/office/drawing/2014/main" id="{A6C66977-DEB6-A42F-298B-DA3CD553F2C3}"/>
+                <a16:creationId xmlns:a16="http://schemas.microsoft.com/office/drawing/2014/main" id="{EB4B86EA-D17A-EC9F-0B87-DB03243F3BB7}"/>
               </a:ext>
             </a:extLst>
           </p:cNvPr>
@@ -252,7 +252,7 @@
           <a:bodyPr/>
           <a:lstStyle/>
           <a:p>
-            <a:fld id="{A59FD009-B3D4-4682-9096-47AD1DAE6F7C}" type="datetimeFigureOut">
+            <a:fld id="{C301AEBA-4316-4CBC-ADF9-A52F2ECA8C73}" type="datetimeFigureOut">
               <a:rPr lang="zh-CN" altLang="en-US" smtClean="0"/>
               <a:t>2024/3/10</a:t>
             </a:fld>
@@ -265,7 +265,7 @@
           <p:cNvPr id="5" name="页脚占位符 4">
             <a:extLst>
               <a:ext uri="{FF2B5EF4-FFF2-40B4-BE49-F238E27FC236}">
-                <a16:creationId xmlns:a16="http://schemas.microsoft.com/office/drawing/2014/main" id="{653FDB69-71AE-D655-CC60-8CA88D82C326}"/>
+                <a16:creationId xmlns:a16="http://schemas.microsoft.com/office/drawing/2014/main" id="{2CDC2058-3794-5ABF-5B0C-2E0F6940D1BF}"/>
               </a:ext>
             </a:extLst>
           </p:cNvPr>
@@ -290,7 +290,7 @@
           <p:cNvPr id="6" name="灯片编号占位符 5">
             <a:extLst>
               <a:ext uri="{FF2B5EF4-FFF2-40B4-BE49-F238E27FC236}">
-                <a16:creationId xmlns:a16="http://schemas.microsoft.com/office/drawing/2014/main" id="{E1370244-1946-1F7B-877F-D6249DC84557}"/>
+                <a16:creationId xmlns:a16="http://schemas.microsoft.com/office/drawing/2014/main" id="{7245AD5A-5F5B-765F-E379-08987685E11A}"/>
               </a:ext>
             </a:extLst>
           </p:cNvPr>
@@ -306,7 +306,7 @@
           <a:bodyPr/>
           <a:lstStyle/>
           <a:p>
-            <a:fld id="{6DB4A8CE-4B3D-4E88-90C7-F968FCFBDA32}" type="slidenum">
+            <a:fld id="{022EEF81-B139-4DFE-806C-70AFDF16F74F}" type="slidenum">
               <a:rPr lang="zh-CN" altLang="en-US" smtClean="0"/>
               <a:t>‹#›</a:t>
             </a:fld>
@@ -317,7 +317,7 @@
     </p:spTree>
     <p:extLst>
       <p:ext uri="{BB962C8B-B14F-4D97-AF65-F5344CB8AC3E}">
-        <p14:creationId xmlns:p14="http://schemas.microsoft.com/office/powerpoint/2010/main" val="3229238640"/>
+        <p14:creationId xmlns:p14="http://schemas.microsoft.com/office/powerpoint/2010/main" val="59047580"/>
       </p:ext>
     </p:extLst>
   </p:cSld>
@@ -349,7 +349,7 @@
           <p:cNvPr id="2" name="标题 1">
             <a:extLst>
               <a:ext uri="{FF2B5EF4-FFF2-40B4-BE49-F238E27FC236}">
-                <a16:creationId xmlns:a16="http://schemas.microsoft.com/office/drawing/2014/main" id="{5F4BB079-59AB-4837-CB14-B1840BF98E52}"/>
+                <a16:creationId xmlns:a16="http://schemas.microsoft.com/office/drawing/2014/main" id="{80CF5113-6BCC-B97B-14B0-2BFFB3B21BBD}"/>
               </a:ext>
             </a:extLst>
           </p:cNvPr>
@@ -377,7 +377,7 @@
           <p:cNvPr id="3" name="竖排文字占位符 2">
             <a:extLst>
               <a:ext uri="{FF2B5EF4-FFF2-40B4-BE49-F238E27FC236}">
-                <a16:creationId xmlns:a16="http://schemas.microsoft.com/office/drawing/2014/main" id="{CC323F4D-4A34-4789-EDCF-6B453D74BEE4}"/>
+                <a16:creationId xmlns:a16="http://schemas.microsoft.com/office/drawing/2014/main" id="{03CDF28E-D02F-0ADC-DF7C-E545DF45E66B}"/>
               </a:ext>
             </a:extLst>
           </p:cNvPr>
@@ -434,7 +434,7 @@
           <p:cNvPr id="4" name="日期占位符 3">
             <a:extLst>
               <a:ext uri="{FF2B5EF4-FFF2-40B4-BE49-F238E27FC236}">
-                <a16:creationId xmlns:a16="http://schemas.microsoft.com/office/drawing/2014/main" id="{54B3DF56-2185-C823-9F91-B517504BC7D2}"/>
+                <a16:creationId xmlns:a16="http://schemas.microsoft.com/office/drawing/2014/main" id="{9D8D373B-A92B-C94A-7AF6-5A06A921D73A}"/>
               </a:ext>
             </a:extLst>
           </p:cNvPr>
@@ -450,7 +450,7 @@
           <a:bodyPr/>
           <a:lstStyle/>
           <a:p>
-            <a:fld id="{A59FD009-B3D4-4682-9096-47AD1DAE6F7C}" type="datetimeFigureOut">
+            <a:fld id="{C301AEBA-4316-4CBC-ADF9-A52F2ECA8C73}" type="datetimeFigureOut">
               <a:rPr lang="zh-CN" altLang="en-US" smtClean="0"/>
               <a:t>2024/3/10</a:t>
             </a:fld>
@@ -463,7 +463,7 @@
           <p:cNvPr id="5" name="页脚占位符 4">
             <a:extLst>
               <a:ext uri="{FF2B5EF4-FFF2-40B4-BE49-F238E27FC236}">
-                <a16:creationId xmlns:a16="http://schemas.microsoft.com/office/drawing/2014/main" id="{BDE295EC-81B3-4F30-147C-591AC197633A}"/>
+                <a16:creationId xmlns:a16="http://schemas.microsoft.com/office/drawing/2014/main" id="{F95FE04B-D17E-C66E-EE30-C93C8E0F90EF}"/>
               </a:ext>
             </a:extLst>
           </p:cNvPr>
@@ -488,7 +488,7 @@
           <p:cNvPr id="6" name="灯片编号占位符 5">
             <a:extLst>
               <a:ext uri="{FF2B5EF4-FFF2-40B4-BE49-F238E27FC236}">
-                <a16:creationId xmlns:a16="http://schemas.microsoft.com/office/drawing/2014/main" id="{99BA6C9B-AD68-ECE9-C206-44D5A8856794}"/>
+                <a16:creationId xmlns:a16="http://schemas.microsoft.com/office/drawing/2014/main" id="{01B63DAC-2A34-E00B-9B89-0DD41C0D20CD}"/>
               </a:ext>
             </a:extLst>
           </p:cNvPr>
@@ -504,7 +504,7 @@
           <a:bodyPr/>
           <a:lstStyle/>
           <a:p>
-            <a:fld id="{6DB4A8CE-4B3D-4E88-90C7-F968FCFBDA32}" type="slidenum">
+            <a:fld id="{022EEF81-B139-4DFE-806C-70AFDF16F74F}" type="slidenum">
               <a:rPr lang="zh-CN" altLang="en-US" smtClean="0"/>
               <a:t>‹#›</a:t>
             </a:fld>
@@ -515,7 +515,7 @@
     </p:spTree>
     <p:extLst>
       <p:ext uri="{BB962C8B-B14F-4D97-AF65-F5344CB8AC3E}">
-        <p14:creationId xmlns:p14="http://schemas.microsoft.com/office/powerpoint/2010/main" val="1558985700"/>
+        <p14:creationId xmlns:p14="http://schemas.microsoft.com/office/powerpoint/2010/main" val="2819019347"/>
       </p:ext>
     </p:extLst>
   </p:cSld>
@@ -547,7 +547,7 @@
           <p:cNvPr id="2" name="竖排标题 1">
             <a:extLst>
               <a:ext uri="{FF2B5EF4-FFF2-40B4-BE49-F238E27FC236}">
-                <a16:creationId xmlns:a16="http://schemas.microsoft.com/office/drawing/2014/main" id="{4A8BEEC5-2E4D-D3C3-C4C0-4ACD6EB342DF}"/>
+                <a16:creationId xmlns:a16="http://schemas.microsoft.com/office/drawing/2014/main" id="{DDDCEDF4-F671-BF64-C010-ACEC4899616A}"/>
               </a:ext>
             </a:extLst>
           </p:cNvPr>
@@ -580,7 +580,7 @@
           <p:cNvPr id="3" name="竖排文字占位符 2">
             <a:extLst>
               <a:ext uri="{FF2B5EF4-FFF2-40B4-BE49-F238E27FC236}">
-                <a16:creationId xmlns:a16="http://schemas.microsoft.com/office/drawing/2014/main" id="{122BA316-91F9-FA69-D537-D926D0F0C822}"/>
+                <a16:creationId xmlns:a16="http://schemas.microsoft.com/office/drawing/2014/main" id="{85BA74E2-2072-0753-7C0C-A6943D2C867C}"/>
               </a:ext>
             </a:extLst>
           </p:cNvPr>
@@ -642,7 +642,7 @@
           <p:cNvPr id="4" name="日期占位符 3">
             <a:extLst>
               <a:ext uri="{FF2B5EF4-FFF2-40B4-BE49-F238E27FC236}">
-                <a16:creationId xmlns:a16="http://schemas.microsoft.com/office/drawing/2014/main" id="{DC49703A-3D31-7232-EFDA-E8F6CF9C792A}"/>
+                <a16:creationId xmlns:a16="http://schemas.microsoft.com/office/drawing/2014/main" id="{CDCD36FA-C9EE-700F-02A5-CB1379B85545}"/>
               </a:ext>
             </a:extLst>
           </p:cNvPr>
@@ -658,7 +658,7 @@
           <a:bodyPr/>
           <a:lstStyle/>
           <a:p>
-            <a:fld id="{A59FD009-B3D4-4682-9096-47AD1DAE6F7C}" type="datetimeFigureOut">
+            <a:fld id="{C301AEBA-4316-4CBC-ADF9-A52F2ECA8C73}" type="datetimeFigureOut">
               <a:rPr lang="zh-CN" altLang="en-US" smtClean="0"/>
               <a:t>2024/3/10</a:t>
             </a:fld>
@@ -671,7 +671,7 @@
           <p:cNvPr id="5" name="页脚占位符 4">
             <a:extLst>
               <a:ext uri="{FF2B5EF4-FFF2-40B4-BE49-F238E27FC236}">
-                <a16:creationId xmlns:a16="http://schemas.microsoft.com/office/drawing/2014/main" id="{1FC0103F-ADBB-4ECB-A1A0-DB6A2FFF146A}"/>
+                <a16:creationId xmlns:a16="http://schemas.microsoft.com/office/drawing/2014/main" id="{5C054D14-E792-13AE-1F73-073CBDA77231}"/>
               </a:ext>
             </a:extLst>
           </p:cNvPr>
@@ -696,7 +696,7 @@
           <p:cNvPr id="6" name="灯片编号占位符 5">
             <a:extLst>
               <a:ext uri="{FF2B5EF4-FFF2-40B4-BE49-F238E27FC236}">
-                <a16:creationId xmlns:a16="http://schemas.microsoft.com/office/drawing/2014/main" id="{27464F6A-363B-ED2A-154D-59B83741D551}"/>
+                <a16:creationId xmlns:a16="http://schemas.microsoft.com/office/drawing/2014/main" id="{E07EAF14-EFEB-2247-B936-40189F7FB011}"/>
               </a:ext>
             </a:extLst>
           </p:cNvPr>
@@ -712,7 +712,7 @@
           <a:bodyPr/>
           <a:lstStyle/>
           <a:p>
-            <a:fld id="{6DB4A8CE-4B3D-4E88-90C7-F968FCFBDA32}" type="slidenum">
+            <a:fld id="{022EEF81-B139-4DFE-806C-70AFDF16F74F}" type="slidenum">
               <a:rPr lang="zh-CN" altLang="en-US" smtClean="0"/>
               <a:t>‹#›</a:t>
             </a:fld>
@@ -723,7 +723,7 @@
     </p:spTree>
     <p:extLst>
       <p:ext uri="{BB962C8B-B14F-4D97-AF65-F5344CB8AC3E}">
-        <p14:creationId xmlns:p14="http://schemas.microsoft.com/office/powerpoint/2010/main" val="2637427640"/>
+        <p14:creationId xmlns:p14="http://schemas.microsoft.com/office/powerpoint/2010/main" val="1337424047"/>
       </p:ext>
     </p:extLst>
   </p:cSld>
@@ -755,7 +755,7 @@
           <p:cNvPr id="2" name="标题 1">
             <a:extLst>
               <a:ext uri="{FF2B5EF4-FFF2-40B4-BE49-F238E27FC236}">
-                <a16:creationId xmlns:a16="http://schemas.microsoft.com/office/drawing/2014/main" id="{A136025F-307F-C744-F6EF-2CCC2C9C6B67}"/>
+                <a16:creationId xmlns:a16="http://schemas.microsoft.com/office/drawing/2014/main" id="{300C2B12-F3AB-E6A8-5744-F820716C3F4A}"/>
               </a:ext>
             </a:extLst>
           </p:cNvPr>
@@ -783,7 +783,7 @@
           <p:cNvPr id="3" name="内容占位符 2">
             <a:extLst>
               <a:ext uri="{FF2B5EF4-FFF2-40B4-BE49-F238E27FC236}">
-                <a16:creationId xmlns:a16="http://schemas.microsoft.com/office/drawing/2014/main" id="{DB522A5F-DD13-0A84-10EC-04FAD635F749}"/>
+                <a16:creationId xmlns:a16="http://schemas.microsoft.com/office/drawing/2014/main" id="{11E7A7E8-8AC9-41FB-9C60-B510A6126A99}"/>
               </a:ext>
             </a:extLst>
           </p:cNvPr>
@@ -840,7 +840,7 @@
           <p:cNvPr id="4" name="日期占位符 3">
             <a:extLst>
               <a:ext uri="{FF2B5EF4-FFF2-40B4-BE49-F238E27FC236}">
-                <a16:creationId xmlns:a16="http://schemas.microsoft.com/office/drawing/2014/main" id="{A7BB014E-C0E9-C094-7AE8-E8ADA143DDD9}"/>
+                <a16:creationId xmlns:a16="http://schemas.microsoft.com/office/drawing/2014/main" id="{B7A27302-13C9-3D07-9B93-2175C1BFBA6A}"/>
               </a:ext>
             </a:extLst>
           </p:cNvPr>
@@ -856,7 +856,7 @@
           <a:bodyPr/>
           <a:lstStyle/>
           <a:p>
-            <a:fld id="{A59FD009-B3D4-4682-9096-47AD1DAE6F7C}" type="datetimeFigureOut">
+            <a:fld id="{C301AEBA-4316-4CBC-ADF9-A52F2ECA8C73}" type="datetimeFigureOut">
               <a:rPr lang="zh-CN" altLang="en-US" smtClean="0"/>
               <a:t>2024/3/10</a:t>
             </a:fld>
@@ -869,7 +869,7 @@
           <p:cNvPr id="5" name="页脚占位符 4">
             <a:extLst>
               <a:ext uri="{FF2B5EF4-FFF2-40B4-BE49-F238E27FC236}">
-                <a16:creationId xmlns:a16="http://schemas.microsoft.com/office/drawing/2014/main" id="{93F6C3C8-375F-2B78-9BEF-4D033A697C6B}"/>
+                <a16:creationId xmlns:a16="http://schemas.microsoft.com/office/drawing/2014/main" id="{DC7E9C46-1382-CD8C-3754-6DFAECC53C8B}"/>
               </a:ext>
             </a:extLst>
           </p:cNvPr>
@@ -894,7 +894,7 @@
           <p:cNvPr id="6" name="灯片编号占位符 5">
             <a:extLst>
               <a:ext uri="{FF2B5EF4-FFF2-40B4-BE49-F238E27FC236}">
-                <a16:creationId xmlns:a16="http://schemas.microsoft.com/office/drawing/2014/main" id="{C0886011-627C-0207-70E3-A8FFB404AE1E}"/>
+                <a16:creationId xmlns:a16="http://schemas.microsoft.com/office/drawing/2014/main" id="{5BFE591B-592C-EB43-83B6-9F8AA74BBC9F}"/>
               </a:ext>
             </a:extLst>
           </p:cNvPr>
@@ -910,7 +910,7 @@
           <a:bodyPr/>
           <a:lstStyle/>
           <a:p>
-            <a:fld id="{6DB4A8CE-4B3D-4E88-90C7-F968FCFBDA32}" type="slidenum">
+            <a:fld id="{022EEF81-B139-4DFE-806C-70AFDF16F74F}" type="slidenum">
               <a:rPr lang="zh-CN" altLang="en-US" smtClean="0"/>
               <a:t>‹#›</a:t>
             </a:fld>
@@ -921,7 +921,7 @@
     </p:spTree>
     <p:extLst>
       <p:ext uri="{BB962C8B-B14F-4D97-AF65-F5344CB8AC3E}">
-        <p14:creationId xmlns:p14="http://schemas.microsoft.com/office/powerpoint/2010/main" val="3646885228"/>
+        <p14:creationId xmlns:p14="http://schemas.microsoft.com/office/powerpoint/2010/main" val="1135430752"/>
       </p:ext>
     </p:extLst>
   </p:cSld>
@@ -953,7 +953,7 @@
           <p:cNvPr id="2" name="标题 1">
             <a:extLst>
               <a:ext uri="{FF2B5EF4-FFF2-40B4-BE49-F238E27FC236}">
-                <a16:creationId xmlns:a16="http://schemas.microsoft.com/office/drawing/2014/main" id="{E5DFFF27-7E8A-E8E7-DF38-71696E1C468A}"/>
+                <a16:creationId xmlns:a16="http://schemas.microsoft.com/office/drawing/2014/main" id="{3F55D260-BA11-A117-085E-5C9C8D2FB812}"/>
               </a:ext>
             </a:extLst>
           </p:cNvPr>
@@ -990,7 +990,7 @@
           <p:cNvPr id="3" name="文本占位符 2">
             <a:extLst>
               <a:ext uri="{FF2B5EF4-FFF2-40B4-BE49-F238E27FC236}">
-                <a16:creationId xmlns:a16="http://schemas.microsoft.com/office/drawing/2014/main" id="{E55F9DE5-D761-AA4F-BEE5-2FF3C0C04198}"/>
+                <a16:creationId xmlns:a16="http://schemas.microsoft.com/office/drawing/2014/main" id="{948E1EF1-C5EF-B6FC-5992-765800240B5B}"/>
               </a:ext>
             </a:extLst>
           </p:cNvPr>
@@ -1115,7 +1115,7 @@
           <p:cNvPr id="4" name="日期占位符 3">
             <a:extLst>
               <a:ext uri="{FF2B5EF4-FFF2-40B4-BE49-F238E27FC236}">
-                <a16:creationId xmlns:a16="http://schemas.microsoft.com/office/drawing/2014/main" id="{B8F53882-2F7F-1861-1C4C-C118E0C24C13}"/>
+                <a16:creationId xmlns:a16="http://schemas.microsoft.com/office/drawing/2014/main" id="{0E8480A4-C676-4860-486C-6F528A02F9CD}"/>
               </a:ext>
             </a:extLst>
           </p:cNvPr>
@@ -1131,7 +1131,7 @@
           <a:bodyPr/>
           <a:lstStyle/>
           <a:p>
-            <a:fld id="{A59FD009-B3D4-4682-9096-47AD1DAE6F7C}" type="datetimeFigureOut">
+            <a:fld id="{C301AEBA-4316-4CBC-ADF9-A52F2ECA8C73}" type="datetimeFigureOut">
               <a:rPr lang="zh-CN" altLang="en-US" smtClean="0"/>
               <a:t>2024/3/10</a:t>
             </a:fld>
@@ -1144,7 +1144,7 @@
           <p:cNvPr id="5" name="页脚占位符 4">
             <a:extLst>
               <a:ext uri="{FF2B5EF4-FFF2-40B4-BE49-F238E27FC236}">
-                <a16:creationId xmlns:a16="http://schemas.microsoft.com/office/drawing/2014/main" id="{91BA3F9B-644B-31F2-9C71-0B02DFC4B9EF}"/>
+                <a16:creationId xmlns:a16="http://schemas.microsoft.com/office/drawing/2014/main" id="{E9497B88-4F1B-0495-60B4-49B548B26EE0}"/>
               </a:ext>
             </a:extLst>
           </p:cNvPr>
@@ -1169,7 +1169,7 @@
           <p:cNvPr id="6" name="灯片编号占位符 5">
             <a:extLst>
               <a:ext uri="{FF2B5EF4-FFF2-40B4-BE49-F238E27FC236}">
-                <a16:creationId xmlns:a16="http://schemas.microsoft.com/office/drawing/2014/main" id="{46942597-9C05-2314-EFDE-C4C6BDAA18BD}"/>
+                <a16:creationId xmlns:a16="http://schemas.microsoft.com/office/drawing/2014/main" id="{6392D0EA-014E-60A7-AABE-5733D4458980}"/>
               </a:ext>
             </a:extLst>
           </p:cNvPr>
@@ -1185,7 +1185,7 @@
           <a:bodyPr/>
           <a:lstStyle/>
           <a:p>
-            <a:fld id="{6DB4A8CE-4B3D-4E88-90C7-F968FCFBDA32}" type="slidenum">
+            <a:fld id="{022EEF81-B139-4DFE-806C-70AFDF16F74F}" type="slidenum">
               <a:rPr lang="zh-CN" altLang="en-US" smtClean="0"/>
               <a:t>‹#›</a:t>
             </a:fld>
@@ -1196,7 +1196,7 @@
     </p:spTree>
     <p:extLst>
       <p:ext uri="{BB962C8B-B14F-4D97-AF65-F5344CB8AC3E}">
-        <p14:creationId xmlns:p14="http://schemas.microsoft.com/office/powerpoint/2010/main" val="4268125777"/>
+        <p14:creationId xmlns:p14="http://schemas.microsoft.com/office/powerpoint/2010/main" val="1472647485"/>
       </p:ext>
     </p:extLst>
   </p:cSld>
@@ -1228,7 +1228,7 @@
           <p:cNvPr id="2" name="标题 1">
             <a:extLst>
               <a:ext uri="{FF2B5EF4-FFF2-40B4-BE49-F238E27FC236}">
-                <a16:creationId xmlns:a16="http://schemas.microsoft.com/office/drawing/2014/main" id="{1E7D4D0E-F145-1A1E-F461-0AF5AD96E6BD}"/>
+                <a16:creationId xmlns:a16="http://schemas.microsoft.com/office/drawing/2014/main" id="{DD8AC3BC-EE1D-E5E1-46F4-6341E2427395}"/>
               </a:ext>
             </a:extLst>
           </p:cNvPr>
@@ -1256,7 +1256,7 @@
           <p:cNvPr id="3" name="内容占位符 2">
             <a:extLst>
               <a:ext uri="{FF2B5EF4-FFF2-40B4-BE49-F238E27FC236}">
-                <a16:creationId xmlns:a16="http://schemas.microsoft.com/office/drawing/2014/main" id="{01892059-C799-AFCE-2483-E0A01949A4CA}"/>
+                <a16:creationId xmlns:a16="http://schemas.microsoft.com/office/drawing/2014/main" id="{9DE3281D-5210-48B3-13DE-AB7491143AC8}"/>
               </a:ext>
             </a:extLst>
           </p:cNvPr>
@@ -1318,7 +1318,7 @@
           <p:cNvPr id="4" name="内容占位符 3">
             <a:extLst>
               <a:ext uri="{FF2B5EF4-FFF2-40B4-BE49-F238E27FC236}">
-                <a16:creationId xmlns:a16="http://schemas.microsoft.com/office/drawing/2014/main" id="{2E7A88C0-9125-6EC3-1B26-4396EE2252A0}"/>
+                <a16:creationId xmlns:a16="http://schemas.microsoft.com/office/drawing/2014/main" id="{2B687C67-F3A6-536A-CDF2-0B6ED239083B}"/>
               </a:ext>
             </a:extLst>
           </p:cNvPr>
@@ -1380,7 +1380,7 @@
           <p:cNvPr id="5" name="日期占位符 4">
             <a:extLst>
               <a:ext uri="{FF2B5EF4-FFF2-40B4-BE49-F238E27FC236}">
-                <a16:creationId xmlns:a16="http://schemas.microsoft.com/office/drawing/2014/main" id="{35E65A28-87D9-329E-715A-B1FB5844A677}"/>
+                <a16:creationId xmlns:a16="http://schemas.microsoft.com/office/drawing/2014/main" id="{C9CBAAB1-F2DD-69B3-E34B-C4952AB46DBB}"/>
               </a:ext>
             </a:extLst>
           </p:cNvPr>
@@ -1396,7 +1396,7 @@
           <a:bodyPr/>
           <a:lstStyle/>
           <a:p>
-            <a:fld id="{A59FD009-B3D4-4682-9096-47AD1DAE6F7C}" type="datetimeFigureOut">
+            <a:fld id="{C301AEBA-4316-4CBC-ADF9-A52F2ECA8C73}" type="datetimeFigureOut">
               <a:rPr lang="zh-CN" altLang="en-US" smtClean="0"/>
               <a:t>2024/3/10</a:t>
             </a:fld>
@@ -1409,7 +1409,7 @@
           <p:cNvPr id="6" name="页脚占位符 5">
             <a:extLst>
               <a:ext uri="{FF2B5EF4-FFF2-40B4-BE49-F238E27FC236}">
-                <a16:creationId xmlns:a16="http://schemas.microsoft.com/office/drawing/2014/main" id="{9CFB51A5-23F1-5E5C-FBF8-4908CB7197A6}"/>
+                <a16:creationId xmlns:a16="http://schemas.microsoft.com/office/drawing/2014/main" id="{E466EF9C-4B3F-3DCE-EA92-4591B8494D6B}"/>
               </a:ext>
             </a:extLst>
           </p:cNvPr>
@@ -1434,7 +1434,7 @@
           <p:cNvPr id="7" name="灯片编号占位符 6">
             <a:extLst>
               <a:ext uri="{FF2B5EF4-FFF2-40B4-BE49-F238E27FC236}">
-                <a16:creationId xmlns:a16="http://schemas.microsoft.com/office/drawing/2014/main" id="{3C4B31D1-4E03-F634-7C48-BA3F18DAE662}"/>
+                <a16:creationId xmlns:a16="http://schemas.microsoft.com/office/drawing/2014/main" id="{FBFD2D25-223D-F295-BA38-E3AF88C16E66}"/>
               </a:ext>
             </a:extLst>
           </p:cNvPr>
@@ -1450,7 +1450,7 @@
           <a:bodyPr/>
           <a:lstStyle/>
           <a:p>
-            <a:fld id="{6DB4A8CE-4B3D-4E88-90C7-F968FCFBDA32}" type="slidenum">
+            <a:fld id="{022EEF81-B139-4DFE-806C-70AFDF16F74F}" type="slidenum">
               <a:rPr lang="zh-CN" altLang="en-US" smtClean="0"/>
               <a:t>‹#›</a:t>
             </a:fld>
@@ -1461,7 +1461,7 @@
     </p:spTree>
     <p:extLst>
       <p:ext uri="{BB962C8B-B14F-4D97-AF65-F5344CB8AC3E}">
-        <p14:creationId xmlns:p14="http://schemas.microsoft.com/office/powerpoint/2010/main" val="4055932496"/>
+        <p14:creationId xmlns:p14="http://schemas.microsoft.com/office/powerpoint/2010/main" val="1820151486"/>
       </p:ext>
     </p:extLst>
   </p:cSld>
@@ -1493,7 +1493,7 @@
           <p:cNvPr id="2" name="标题 1">
             <a:extLst>
               <a:ext uri="{FF2B5EF4-FFF2-40B4-BE49-F238E27FC236}">
-                <a16:creationId xmlns:a16="http://schemas.microsoft.com/office/drawing/2014/main" id="{766449D4-4059-6605-01F9-EB55FE080529}"/>
+                <a16:creationId xmlns:a16="http://schemas.microsoft.com/office/drawing/2014/main" id="{C0A39A38-8783-E94C-7FE5-8E36E4BA912D}"/>
               </a:ext>
             </a:extLst>
           </p:cNvPr>
@@ -1526,7 +1526,7 @@
           <p:cNvPr id="3" name="文本占位符 2">
             <a:extLst>
               <a:ext uri="{FF2B5EF4-FFF2-40B4-BE49-F238E27FC236}">
-                <a16:creationId xmlns:a16="http://schemas.microsoft.com/office/drawing/2014/main" id="{4A2E1A21-73EE-1B77-BCD8-61556F9FEEBD}"/>
+                <a16:creationId xmlns:a16="http://schemas.microsoft.com/office/drawing/2014/main" id="{CA4B8B59-9951-6863-B9E1-240CC58D7EF8}"/>
               </a:ext>
             </a:extLst>
           </p:cNvPr>
@@ -1597,7 +1597,7 @@
           <p:cNvPr id="4" name="内容占位符 3">
             <a:extLst>
               <a:ext uri="{FF2B5EF4-FFF2-40B4-BE49-F238E27FC236}">
-                <a16:creationId xmlns:a16="http://schemas.microsoft.com/office/drawing/2014/main" id="{E946FC51-14F5-3378-1A9D-7AF1DD13EA0B}"/>
+                <a16:creationId xmlns:a16="http://schemas.microsoft.com/office/drawing/2014/main" id="{2BE2D10F-05D7-DD84-5C34-1FCCE157D2C5}"/>
               </a:ext>
             </a:extLst>
           </p:cNvPr>
@@ -1659,7 +1659,7 @@
           <p:cNvPr id="5" name="文本占位符 4">
             <a:extLst>
               <a:ext uri="{FF2B5EF4-FFF2-40B4-BE49-F238E27FC236}">
-                <a16:creationId xmlns:a16="http://schemas.microsoft.com/office/drawing/2014/main" id="{E7A0DE13-088F-C342-D955-4ABCD27A3CCB}"/>
+                <a16:creationId xmlns:a16="http://schemas.microsoft.com/office/drawing/2014/main" id="{ED496A31-9218-09EA-FCC4-6E1A04CC0728}"/>
               </a:ext>
             </a:extLst>
           </p:cNvPr>
@@ -1730,7 +1730,7 @@
           <p:cNvPr id="6" name="内容占位符 5">
             <a:extLst>
               <a:ext uri="{FF2B5EF4-FFF2-40B4-BE49-F238E27FC236}">
-                <a16:creationId xmlns:a16="http://schemas.microsoft.com/office/drawing/2014/main" id="{80CCE7A7-40B6-91E5-0095-AF2BCA230C7E}"/>
+                <a16:creationId xmlns:a16="http://schemas.microsoft.com/office/drawing/2014/main" id="{EBF37EF7-4152-3D48-B023-2AC9B13B556B}"/>
               </a:ext>
             </a:extLst>
           </p:cNvPr>
@@ -1792,7 +1792,7 @@
           <p:cNvPr id="7" name="日期占位符 6">
             <a:extLst>
               <a:ext uri="{FF2B5EF4-FFF2-40B4-BE49-F238E27FC236}">
-                <a16:creationId xmlns:a16="http://schemas.microsoft.com/office/drawing/2014/main" id="{F77B4EA7-F21B-DD82-C9E9-3B2110EB8642}"/>
+                <a16:creationId xmlns:a16="http://schemas.microsoft.com/office/drawing/2014/main" id="{42777C20-411C-767F-CB12-721C2251BA6A}"/>
               </a:ext>
             </a:extLst>
           </p:cNvPr>
@@ -1808,7 +1808,7 @@
           <a:bodyPr/>
           <a:lstStyle/>
           <a:p>
-            <a:fld id="{A59FD009-B3D4-4682-9096-47AD1DAE6F7C}" type="datetimeFigureOut">
+            <a:fld id="{C301AEBA-4316-4CBC-ADF9-A52F2ECA8C73}" type="datetimeFigureOut">
               <a:rPr lang="zh-CN" altLang="en-US" smtClean="0"/>
               <a:t>2024/3/10</a:t>
             </a:fld>
@@ -1821,7 +1821,7 @@
           <p:cNvPr id="8" name="页脚占位符 7">
             <a:extLst>
               <a:ext uri="{FF2B5EF4-FFF2-40B4-BE49-F238E27FC236}">
-                <a16:creationId xmlns:a16="http://schemas.microsoft.com/office/drawing/2014/main" id="{F990738D-6DB5-E6BF-F8DE-3691C1A4CEAF}"/>
+                <a16:creationId xmlns:a16="http://schemas.microsoft.com/office/drawing/2014/main" id="{AE9DB630-50B6-92D1-33B2-5C6C4E05565C}"/>
               </a:ext>
             </a:extLst>
           </p:cNvPr>
@@ -1846,7 +1846,7 @@
           <p:cNvPr id="9" name="灯片编号占位符 8">
             <a:extLst>
               <a:ext uri="{FF2B5EF4-FFF2-40B4-BE49-F238E27FC236}">
-                <a16:creationId xmlns:a16="http://schemas.microsoft.com/office/drawing/2014/main" id="{C3414A6E-007E-4725-8AAA-9F74A2A34207}"/>
+                <a16:creationId xmlns:a16="http://schemas.microsoft.com/office/drawing/2014/main" id="{F2567AFF-CFC2-A323-C618-1F07A943080F}"/>
               </a:ext>
             </a:extLst>
           </p:cNvPr>
@@ -1862,7 +1862,7 @@
           <a:bodyPr/>
           <a:lstStyle/>
           <a:p>
-            <a:fld id="{6DB4A8CE-4B3D-4E88-90C7-F968FCFBDA32}" type="slidenum">
+            <a:fld id="{022EEF81-B139-4DFE-806C-70AFDF16F74F}" type="slidenum">
               <a:rPr lang="zh-CN" altLang="en-US" smtClean="0"/>
               <a:t>‹#›</a:t>
             </a:fld>
@@ -1873,7 +1873,7 @@
     </p:spTree>
     <p:extLst>
       <p:ext uri="{BB962C8B-B14F-4D97-AF65-F5344CB8AC3E}">
-        <p14:creationId xmlns:p14="http://schemas.microsoft.com/office/powerpoint/2010/main" val="235664084"/>
+        <p14:creationId xmlns:p14="http://schemas.microsoft.com/office/powerpoint/2010/main" val="1212742256"/>
       </p:ext>
     </p:extLst>
   </p:cSld>
@@ -1905,7 +1905,7 @@
           <p:cNvPr id="2" name="标题 1">
             <a:extLst>
               <a:ext uri="{FF2B5EF4-FFF2-40B4-BE49-F238E27FC236}">
-                <a16:creationId xmlns:a16="http://schemas.microsoft.com/office/drawing/2014/main" id="{33EC097F-7431-4B77-6175-180397C08722}"/>
+                <a16:creationId xmlns:a16="http://schemas.microsoft.com/office/drawing/2014/main" id="{F5884108-F973-F430-E527-6C6BC7E105A6}"/>
               </a:ext>
             </a:extLst>
           </p:cNvPr>
@@ -1933,7 +1933,7 @@
           <p:cNvPr id="3" name="日期占位符 2">
             <a:extLst>
               <a:ext uri="{FF2B5EF4-FFF2-40B4-BE49-F238E27FC236}">
-                <a16:creationId xmlns:a16="http://schemas.microsoft.com/office/drawing/2014/main" id="{3A5A5D72-5A56-78EB-1245-245981A646F2}"/>
+                <a16:creationId xmlns:a16="http://schemas.microsoft.com/office/drawing/2014/main" id="{A3A80D9F-186B-716B-CC1B-96B662DFC0D5}"/>
               </a:ext>
             </a:extLst>
           </p:cNvPr>
@@ -1949,7 +1949,7 @@
           <a:bodyPr/>
           <a:lstStyle/>
           <a:p>
-            <a:fld id="{A59FD009-B3D4-4682-9096-47AD1DAE6F7C}" type="datetimeFigureOut">
+            <a:fld id="{C301AEBA-4316-4CBC-ADF9-A52F2ECA8C73}" type="datetimeFigureOut">
               <a:rPr lang="zh-CN" altLang="en-US" smtClean="0"/>
               <a:t>2024/3/10</a:t>
             </a:fld>
@@ -1962,7 +1962,7 @@
           <p:cNvPr id="4" name="页脚占位符 3">
             <a:extLst>
               <a:ext uri="{FF2B5EF4-FFF2-40B4-BE49-F238E27FC236}">
-                <a16:creationId xmlns:a16="http://schemas.microsoft.com/office/drawing/2014/main" id="{63941F75-265B-4D93-8F99-8B0D4D8FCE09}"/>
+                <a16:creationId xmlns:a16="http://schemas.microsoft.com/office/drawing/2014/main" id="{6EEA9FCE-B749-3788-8C47-95BB6F558DD3}"/>
               </a:ext>
             </a:extLst>
           </p:cNvPr>
@@ -1987,7 +1987,7 @@
           <p:cNvPr id="5" name="灯片编号占位符 4">
             <a:extLst>
               <a:ext uri="{FF2B5EF4-FFF2-40B4-BE49-F238E27FC236}">
-                <a16:creationId xmlns:a16="http://schemas.microsoft.com/office/drawing/2014/main" id="{6B159A7A-DEC1-2B42-8622-F7731B36CA95}"/>
+                <a16:creationId xmlns:a16="http://schemas.microsoft.com/office/drawing/2014/main" id="{D0CBF980-25EC-E80F-6496-B01DDB82808A}"/>
               </a:ext>
             </a:extLst>
           </p:cNvPr>
@@ -2003,7 +2003,7 @@
           <a:bodyPr/>
           <a:lstStyle/>
           <a:p>
-            <a:fld id="{6DB4A8CE-4B3D-4E88-90C7-F968FCFBDA32}" type="slidenum">
+            <a:fld id="{022EEF81-B139-4DFE-806C-70AFDF16F74F}" type="slidenum">
               <a:rPr lang="zh-CN" altLang="en-US" smtClean="0"/>
               <a:t>‹#›</a:t>
             </a:fld>
@@ -2014,7 +2014,7 @@
     </p:spTree>
     <p:extLst>
       <p:ext uri="{BB962C8B-B14F-4D97-AF65-F5344CB8AC3E}">
-        <p14:creationId xmlns:p14="http://schemas.microsoft.com/office/powerpoint/2010/main" val="208442618"/>
+        <p14:creationId xmlns:p14="http://schemas.microsoft.com/office/powerpoint/2010/main" val="16891896"/>
       </p:ext>
     </p:extLst>
   </p:cSld>
@@ -2046,7 +2046,7 @@
           <p:cNvPr id="2" name="日期占位符 1">
             <a:extLst>
               <a:ext uri="{FF2B5EF4-FFF2-40B4-BE49-F238E27FC236}">
-                <a16:creationId xmlns:a16="http://schemas.microsoft.com/office/drawing/2014/main" id="{AEC35432-3FA5-E30E-75F9-C065D751FE32}"/>
+                <a16:creationId xmlns:a16="http://schemas.microsoft.com/office/drawing/2014/main" id="{ED0741C2-37C6-F6A9-180A-22BD1BD90337}"/>
               </a:ext>
             </a:extLst>
           </p:cNvPr>
@@ -2062,7 +2062,7 @@
           <a:bodyPr/>
           <a:lstStyle/>
           <a:p>
-            <a:fld id="{A59FD009-B3D4-4682-9096-47AD1DAE6F7C}" type="datetimeFigureOut">
+            <a:fld id="{C301AEBA-4316-4CBC-ADF9-A52F2ECA8C73}" type="datetimeFigureOut">
               <a:rPr lang="zh-CN" altLang="en-US" smtClean="0"/>
               <a:t>2024/3/10</a:t>
             </a:fld>
@@ -2075,7 +2075,7 @@
           <p:cNvPr id="3" name="页脚占位符 2">
             <a:extLst>
               <a:ext uri="{FF2B5EF4-FFF2-40B4-BE49-F238E27FC236}">
-                <a16:creationId xmlns:a16="http://schemas.microsoft.com/office/drawing/2014/main" id="{A884EA5B-EFF3-A6C2-D612-2418B2B389FB}"/>
+                <a16:creationId xmlns:a16="http://schemas.microsoft.com/office/drawing/2014/main" id="{15BE5FDD-AACD-D63F-2EBD-4932888722D9}"/>
               </a:ext>
             </a:extLst>
           </p:cNvPr>
@@ -2100,7 +2100,7 @@
           <p:cNvPr id="4" name="灯片编号占位符 3">
             <a:extLst>
               <a:ext uri="{FF2B5EF4-FFF2-40B4-BE49-F238E27FC236}">
-                <a16:creationId xmlns:a16="http://schemas.microsoft.com/office/drawing/2014/main" id="{BC3A6406-C2FB-DB7C-BF9E-407AEB5B868E}"/>
+                <a16:creationId xmlns:a16="http://schemas.microsoft.com/office/drawing/2014/main" id="{48D8DD1D-55FF-4673-4FD5-FB8BAD4FE5C7}"/>
               </a:ext>
             </a:extLst>
           </p:cNvPr>
@@ -2116,7 +2116,7 @@
           <a:bodyPr/>
           <a:lstStyle/>
           <a:p>
-            <a:fld id="{6DB4A8CE-4B3D-4E88-90C7-F968FCFBDA32}" type="slidenum">
+            <a:fld id="{022EEF81-B139-4DFE-806C-70AFDF16F74F}" type="slidenum">
               <a:rPr lang="zh-CN" altLang="en-US" smtClean="0"/>
               <a:t>‹#›</a:t>
             </a:fld>
@@ -2127,7 +2127,7 @@
     </p:spTree>
     <p:extLst>
       <p:ext uri="{BB962C8B-B14F-4D97-AF65-F5344CB8AC3E}">
-        <p14:creationId xmlns:p14="http://schemas.microsoft.com/office/powerpoint/2010/main" val="2442923738"/>
+        <p14:creationId xmlns:p14="http://schemas.microsoft.com/office/powerpoint/2010/main" val="98293752"/>
       </p:ext>
     </p:extLst>
   </p:cSld>
@@ -2159,7 +2159,7 @@
           <p:cNvPr id="2" name="标题 1">
             <a:extLst>
               <a:ext uri="{FF2B5EF4-FFF2-40B4-BE49-F238E27FC236}">
-                <a16:creationId xmlns:a16="http://schemas.microsoft.com/office/drawing/2014/main" id="{28BB7847-6748-E1AA-8E4A-C5F0C0789798}"/>
+                <a16:creationId xmlns:a16="http://schemas.microsoft.com/office/drawing/2014/main" id="{7CA6DA12-35F3-D079-F396-40E64AB47C47}"/>
               </a:ext>
             </a:extLst>
           </p:cNvPr>
@@ -2196,7 +2196,7 @@
           <p:cNvPr id="3" name="内容占位符 2">
             <a:extLst>
               <a:ext uri="{FF2B5EF4-FFF2-40B4-BE49-F238E27FC236}">
-                <a16:creationId xmlns:a16="http://schemas.microsoft.com/office/drawing/2014/main" id="{9B08A167-ABA3-60CD-78D8-8064F5D6F34E}"/>
+                <a16:creationId xmlns:a16="http://schemas.microsoft.com/office/drawing/2014/main" id="{61890170-709F-9E81-D24F-A7AE2BA68852}"/>
               </a:ext>
             </a:extLst>
           </p:cNvPr>
@@ -2286,7 +2286,7 @@
           <p:cNvPr id="4" name="文本占位符 3">
             <a:extLst>
               <a:ext uri="{FF2B5EF4-FFF2-40B4-BE49-F238E27FC236}">
-                <a16:creationId xmlns:a16="http://schemas.microsoft.com/office/drawing/2014/main" id="{FCFE208E-D3E5-880C-6063-9831E590D9FC}"/>
+                <a16:creationId xmlns:a16="http://schemas.microsoft.com/office/drawing/2014/main" id="{633A23C7-6B96-7B80-F4F3-73040E4A765F}"/>
               </a:ext>
             </a:extLst>
           </p:cNvPr>
@@ -2357,7 +2357,7 @@
           <p:cNvPr id="5" name="日期占位符 4">
             <a:extLst>
               <a:ext uri="{FF2B5EF4-FFF2-40B4-BE49-F238E27FC236}">
-                <a16:creationId xmlns:a16="http://schemas.microsoft.com/office/drawing/2014/main" id="{22445B21-C08C-CADE-1B39-EABFD9593303}"/>
+                <a16:creationId xmlns:a16="http://schemas.microsoft.com/office/drawing/2014/main" id="{8EAD46AE-7908-F503-7C7B-D9376FB1CE3D}"/>
               </a:ext>
             </a:extLst>
           </p:cNvPr>
@@ -2373,7 +2373,7 @@
           <a:bodyPr/>
           <a:lstStyle/>
           <a:p>
-            <a:fld id="{A59FD009-B3D4-4682-9096-47AD1DAE6F7C}" type="datetimeFigureOut">
+            <a:fld id="{C301AEBA-4316-4CBC-ADF9-A52F2ECA8C73}" type="datetimeFigureOut">
               <a:rPr lang="zh-CN" altLang="en-US" smtClean="0"/>
               <a:t>2024/3/10</a:t>
             </a:fld>
@@ -2386,7 +2386,7 @@
           <p:cNvPr id="6" name="页脚占位符 5">
             <a:extLst>
               <a:ext uri="{FF2B5EF4-FFF2-40B4-BE49-F238E27FC236}">
-                <a16:creationId xmlns:a16="http://schemas.microsoft.com/office/drawing/2014/main" id="{1F990A6F-0E71-1FBC-258F-62C92FBCEE90}"/>
+                <a16:creationId xmlns:a16="http://schemas.microsoft.com/office/drawing/2014/main" id="{44C08667-1DDD-75E3-8D2E-D1F0770DD4B9}"/>
               </a:ext>
             </a:extLst>
           </p:cNvPr>
@@ -2411,7 +2411,7 @@
           <p:cNvPr id="7" name="灯片编号占位符 6">
             <a:extLst>
               <a:ext uri="{FF2B5EF4-FFF2-40B4-BE49-F238E27FC236}">
-                <a16:creationId xmlns:a16="http://schemas.microsoft.com/office/drawing/2014/main" id="{CF899969-A6C3-BC08-0E89-9110920EF4F5}"/>
+                <a16:creationId xmlns:a16="http://schemas.microsoft.com/office/drawing/2014/main" id="{07B7F949-5321-73FE-B7ED-8D08D8CAE86A}"/>
               </a:ext>
             </a:extLst>
           </p:cNvPr>
@@ -2427,7 +2427,7 @@
           <a:bodyPr/>
           <a:lstStyle/>
           <a:p>
-            <a:fld id="{6DB4A8CE-4B3D-4E88-90C7-F968FCFBDA32}" type="slidenum">
+            <a:fld id="{022EEF81-B139-4DFE-806C-70AFDF16F74F}" type="slidenum">
               <a:rPr lang="zh-CN" altLang="en-US" smtClean="0"/>
               <a:t>‹#›</a:t>
             </a:fld>
@@ -2438,7 +2438,7 @@
     </p:spTree>
     <p:extLst>
       <p:ext uri="{BB962C8B-B14F-4D97-AF65-F5344CB8AC3E}">
-        <p14:creationId xmlns:p14="http://schemas.microsoft.com/office/powerpoint/2010/main" val="3855636965"/>
+        <p14:creationId xmlns:p14="http://schemas.microsoft.com/office/powerpoint/2010/main" val="642197094"/>
       </p:ext>
     </p:extLst>
   </p:cSld>
@@ -2470,7 +2470,7 @@
           <p:cNvPr id="2" name="标题 1">
             <a:extLst>
               <a:ext uri="{FF2B5EF4-FFF2-40B4-BE49-F238E27FC236}">
-                <a16:creationId xmlns:a16="http://schemas.microsoft.com/office/drawing/2014/main" id="{4930D645-2B7A-9CB6-FB88-2A8DB8A6C459}"/>
+                <a16:creationId xmlns:a16="http://schemas.microsoft.com/office/drawing/2014/main" id="{184E3082-BB66-C427-2050-79EC972B908E}"/>
               </a:ext>
             </a:extLst>
           </p:cNvPr>
@@ -2507,7 +2507,7 @@
           <p:cNvPr id="3" name="图片占位符 2">
             <a:extLst>
               <a:ext uri="{FF2B5EF4-FFF2-40B4-BE49-F238E27FC236}">
-                <a16:creationId xmlns:a16="http://schemas.microsoft.com/office/drawing/2014/main" id="{01E17CBA-265E-7574-B37D-845F7C11EBEC}"/>
+                <a16:creationId xmlns:a16="http://schemas.microsoft.com/office/drawing/2014/main" id="{8494B75D-7B16-1E0D-D03B-ED5542EB7182}"/>
               </a:ext>
             </a:extLst>
           </p:cNvPr>
@@ -2574,7 +2574,7 @@
           <p:cNvPr id="4" name="文本占位符 3">
             <a:extLst>
               <a:ext uri="{FF2B5EF4-FFF2-40B4-BE49-F238E27FC236}">
-                <a16:creationId xmlns:a16="http://schemas.microsoft.com/office/drawing/2014/main" id="{8AD0F38C-1AA6-17D8-ACD2-42894DC18810}"/>
+                <a16:creationId xmlns:a16="http://schemas.microsoft.com/office/drawing/2014/main" id="{7E1D6B41-A2D7-4476-42C1-A16B77987504}"/>
               </a:ext>
             </a:extLst>
           </p:cNvPr>
@@ -2645,7 +2645,7 @@
           <p:cNvPr id="5" name="日期占位符 4">
             <a:extLst>
               <a:ext uri="{FF2B5EF4-FFF2-40B4-BE49-F238E27FC236}">
-                <a16:creationId xmlns:a16="http://schemas.microsoft.com/office/drawing/2014/main" id="{B0B6C84E-41B4-39E1-B0A4-C1ED15480CB5}"/>
+                <a16:creationId xmlns:a16="http://schemas.microsoft.com/office/drawing/2014/main" id="{214E0A8C-03E0-BB3F-3BD7-AD333C6A0891}"/>
               </a:ext>
             </a:extLst>
           </p:cNvPr>
@@ -2661,7 +2661,7 @@
           <a:bodyPr/>
           <a:lstStyle/>
           <a:p>
-            <a:fld id="{A59FD009-B3D4-4682-9096-47AD1DAE6F7C}" type="datetimeFigureOut">
+            <a:fld id="{C301AEBA-4316-4CBC-ADF9-A52F2ECA8C73}" type="datetimeFigureOut">
               <a:rPr lang="zh-CN" altLang="en-US" smtClean="0"/>
               <a:t>2024/3/10</a:t>
             </a:fld>
@@ -2674,7 +2674,7 @@
           <p:cNvPr id="6" name="页脚占位符 5">
             <a:extLst>
               <a:ext uri="{FF2B5EF4-FFF2-40B4-BE49-F238E27FC236}">
-                <a16:creationId xmlns:a16="http://schemas.microsoft.com/office/drawing/2014/main" id="{5C8296D2-7FD1-7E7C-F8E9-72A2C35FC423}"/>
+                <a16:creationId xmlns:a16="http://schemas.microsoft.com/office/drawing/2014/main" id="{FBA91B97-C5B8-B36D-6902-31DD58FCA8E3}"/>
               </a:ext>
             </a:extLst>
           </p:cNvPr>
@@ -2699,7 +2699,7 @@
           <p:cNvPr id="7" name="灯片编号占位符 6">
             <a:extLst>
               <a:ext uri="{FF2B5EF4-FFF2-40B4-BE49-F238E27FC236}">
-                <a16:creationId xmlns:a16="http://schemas.microsoft.com/office/drawing/2014/main" id="{AFAF62C6-FD20-9EEB-EFCA-7A803784B338}"/>
+                <a16:creationId xmlns:a16="http://schemas.microsoft.com/office/drawing/2014/main" id="{7917B1D7-3422-62E0-2C55-1FA68A810D91}"/>
               </a:ext>
             </a:extLst>
           </p:cNvPr>
@@ -2715,7 +2715,7 @@
           <a:bodyPr/>
           <a:lstStyle/>
           <a:p>
-            <a:fld id="{6DB4A8CE-4B3D-4E88-90C7-F968FCFBDA32}" type="slidenum">
+            <a:fld id="{022EEF81-B139-4DFE-806C-70AFDF16F74F}" type="slidenum">
               <a:rPr lang="zh-CN" altLang="en-US" smtClean="0"/>
               <a:t>‹#›</a:t>
             </a:fld>
@@ -2726,7 +2726,7 @@
     </p:spTree>
     <p:extLst>
       <p:ext uri="{BB962C8B-B14F-4D97-AF65-F5344CB8AC3E}">
-        <p14:creationId xmlns:p14="http://schemas.microsoft.com/office/powerpoint/2010/main" val="3176120153"/>
+        <p14:creationId xmlns:p14="http://schemas.microsoft.com/office/powerpoint/2010/main" val="1692013897"/>
       </p:ext>
     </p:extLst>
   </p:cSld>
@@ -2763,7 +2763,7 @@
           <p:cNvPr id="2" name="标题占位符 1">
             <a:extLst>
               <a:ext uri="{FF2B5EF4-FFF2-40B4-BE49-F238E27FC236}">
-                <a16:creationId xmlns:a16="http://schemas.microsoft.com/office/drawing/2014/main" id="{BDD23BCD-26D5-A978-76FA-D0C231A4FFBA}"/>
+                <a16:creationId xmlns:a16="http://schemas.microsoft.com/office/drawing/2014/main" id="{C6CAB81F-6637-D32D-1F77-7E01E45998FA}"/>
               </a:ext>
             </a:extLst>
           </p:cNvPr>
@@ -2801,7 +2801,7 @@
           <p:cNvPr id="3" name="文本占位符 2">
             <a:extLst>
               <a:ext uri="{FF2B5EF4-FFF2-40B4-BE49-F238E27FC236}">
-                <a16:creationId xmlns:a16="http://schemas.microsoft.com/office/drawing/2014/main" id="{FDB185FA-AE12-3F4D-C5AB-478CAAA47254}"/>
+                <a16:creationId xmlns:a16="http://schemas.microsoft.com/office/drawing/2014/main" id="{50CBBB71-E9DA-1BE6-ECD5-317117585584}"/>
               </a:ext>
             </a:extLst>
           </p:cNvPr>
@@ -2868,7 +2868,7 @@
           <p:cNvPr id="4" name="日期占位符 3">
             <a:extLst>
               <a:ext uri="{FF2B5EF4-FFF2-40B4-BE49-F238E27FC236}">
-                <a16:creationId xmlns:a16="http://schemas.microsoft.com/office/drawing/2014/main" id="{6CBFC240-F312-EE43-FF83-3669056812A9}"/>
+                <a16:creationId xmlns:a16="http://schemas.microsoft.com/office/drawing/2014/main" id="{4A09CA27-A92B-07DE-D309-2D7BA53EC680}"/>
               </a:ext>
             </a:extLst>
           </p:cNvPr>
@@ -2902,7 +2902,7 @@
             </a:lvl1pPr>
           </a:lstStyle>
           <a:p>
-            <a:fld id="{A59FD009-B3D4-4682-9096-47AD1DAE6F7C}" type="datetimeFigureOut">
+            <a:fld id="{C301AEBA-4316-4CBC-ADF9-A52F2ECA8C73}" type="datetimeFigureOut">
               <a:rPr lang="zh-CN" altLang="en-US" smtClean="0"/>
               <a:t>2024/3/10</a:t>
             </a:fld>
@@ -2915,7 +2915,7 @@
           <p:cNvPr id="5" name="页脚占位符 4">
             <a:extLst>
               <a:ext uri="{FF2B5EF4-FFF2-40B4-BE49-F238E27FC236}">
-                <a16:creationId xmlns:a16="http://schemas.microsoft.com/office/drawing/2014/main" id="{7C72CAB6-4AEB-615C-9FD7-41B048536491}"/>
+                <a16:creationId xmlns:a16="http://schemas.microsoft.com/office/drawing/2014/main" id="{E3833DF8-70E8-725E-EDB2-304E6C603186}"/>
               </a:ext>
             </a:extLst>
           </p:cNvPr>
@@ -2958,7 +2958,7 @@
           <p:cNvPr id="6" name="灯片编号占位符 5">
             <a:extLst>
               <a:ext uri="{FF2B5EF4-FFF2-40B4-BE49-F238E27FC236}">
-                <a16:creationId xmlns:a16="http://schemas.microsoft.com/office/drawing/2014/main" id="{75F270D0-DCD6-BCFC-813D-C7FDF0A110BC}"/>
+                <a16:creationId xmlns:a16="http://schemas.microsoft.com/office/drawing/2014/main" id="{592E2562-80E3-F9EB-C273-1044ED34B485}"/>
               </a:ext>
             </a:extLst>
           </p:cNvPr>
@@ -2992,7 +2992,7 @@
             </a:lvl1pPr>
           </a:lstStyle>
           <a:p>
-            <a:fld id="{6DB4A8CE-4B3D-4E88-90C7-F968FCFBDA32}" type="slidenum">
+            <a:fld id="{022EEF81-B139-4DFE-806C-70AFDF16F74F}" type="slidenum">
               <a:rPr lang="zh-CN" altLang="en-US" smtClean="0"/>
               <a:t>‹#›</a:t>
             </a:fld>
@@ -3003,7 +3003,7 @@
     </p:spTree>
     <p:extLst>
       <p:ext uri="{BB962C8B-B14F-4D97-AF65-F5344CB8AC3E}">
-        <p14:creationId xmlns:p14="http://schemas.microsoft.com/office/powerpoint/2010/main" val="2612749096"/>
+        <p14:creationId xmlns:p14="http://schemas.microsoft.com/office/powerpoint/2010/main" val="2430301487"/>
       </p:ext>
     </p:extLst>
   </p:cSld>
@@ -3323,7 +3323,7 @@
       </p:grpSpPr>
       <p:pic>
         <p:nvPicPr>
-          <p:cNvPr id="1453058" name="Picture 2" descr="1418"/>
+          <p:cNvPr id="1454082" name="Picture 2" descr="1419"/>
           <p:cNvPicPr>
             <a:picLocks noChangeAspect="1" noChangeArrowheads="1"/>
           </p:cNvPicPr>
@@ -3344,8 +3344,8 @@
         </p:blipFill>
         <p:spPr bwMode="auto">
           <a:xfrm>
-            <a:off x="1524000" y="0"/>
-            <a:ext cx="9144000" cy="6858000"/>
+            <a:off x="1524000" y="1"/>
+            <a:ext cx="9144000" cy="6238875"/>
           </a:xfrm>
           <a:prstGeom prst="rect">
             <a:avLst/>
